--- a/myeongji/졸작/계획 및 발표/ppt/졸업프로젝트_내일의_반찬_최종발표자료.pptx
+++ b/myeongji/졸작/계획 및 발표/ppt/졸업프로젝트_내일의_반찬_최종발표자료.pptx
@@ -10240,10 +10240,10 @@
       </p:pic>
       <p:pic>
         <p:nvPicPr>
-          <p:cNvPr id="35" name="그림 34">
+          <p:cNvPr id="41" name="그림 40">
             <a:extLst>
               <a:ext uri="{FF2B5EF4-FFF2-40B4-BE49-F238E27FC236}">
-                <a16:creationId xmlns:a16="http://schemas.microsoft.com/office/drawing/2014/main" id="{E10460E5-62F4-480B-86A5-5715C3AC9B37}"/>
+                <a16:creationId xmlns:a16="http://schemas.microsoft.com/office/drawing/2014/main" id="{EB633289-FE72-49BA-B7CC-0B0013A9F5FD}"/>
               </a:ext>
             </a:extLst>
           </p:cNvPr>
@@ -10253,7 +10253,7 @@
           <p:nvPr/>
         </p:nvPicPr>
         <p:blipFill>
-          <a:blip r:embed="rId4">
+          <a:blip r:embed="rId10">
             <a:extLst>
               <a:ext uri="{28A0092B-C50C-407E-A947-70E740481C1C}">
                 <a14:useLocalDpi xmlns:a14="http://schemas.microsoft.com/office/drawing/2010/main" val="0"/>
@@ -10266,8 +10266,8 @@
         </p:blipFill>
         <p:spPr>
           <a:xfrm>
-            <a:off x="9103881" y="4895663"/>
-            <a:ext cx="1539373" cy="899238"/>
+            <a:off x="9936313" y="4750365"/>
+            <a:ext cx="1611068" cy="1611068"/>
           </a:xfrm>
           <a:prstGeom prst="rect">
             <a:avLst/>
@@ -10276,10 +10276,10 @@
       </p:pic>
       <p:sp>
         <p:nvSpPr>
-          <p:cNvPr id="40" name="화살표: 오른쪽 39">
+          <p:cNvPr id="42" name="십자형 41">
             <a:extLst>
               <a:ext uri="{FF2B5EF4-FFF2-40B4-BE49-F238E27FC236}">
-                <a16:creationId xmlns:a16="http://schemas.microsoft.com/office/drawing/2014/main" id="{058C6A3F-A8B6-4CF2-B507-EC626A824823}"/>
+                <a16:creationId xmlns:a16="http://schemas.microsoft.com/office/drawing/2014/main" id="{C2506194-7382-44C1-955D-54C3D138BBAC}"/>
               </a:ext>
             </a:extLst>
           </p:cNvPr>
@@ -10287,13 +10287,18 @@
           <p:nvPr/>
         </p:nvSpPr>
         <p:spPr>
-          <a:xfrm rot="13850050">
-            <a:off x="8887182" y="4475323"/>
-            <a:ext cx="709466" cy="204236"/>
-          </a:xfrm>
-          <a:prstGeom prst="rightArrow">
-            <a:avLst/>
-          </a:prstGeom>
+          <a:xfrm>
+            <a:off x="10502838" y="4329971"/>
+            <a:ext cx="471456" cy="471456"/>
+          </a:xfrm>
+          <a:prstGeom prst="plus">
+            <a:avLst>
+              <a:gd name="adj" fmla="val 34415"/>
+            </a:avLst>
+          </a:prstGeom>
+          <a:solidFill>
+            <a:srgbClr val="FFC000"/>
+          </a:solidFill>
         </p:spPr>
         <p:style>
           <a:lnRef idx="2">
